--- a/note_rtk/media_playback_flow.pptx
+++ b/note_rtk/media_playback_flow.pptx
@@ -201,7 +201,7 @@
           <a:p>
             <a:fld id="{EF803FD4-0360-46C5-9E17-82D9DCB4959B}" type="datetimeFigureOut">
               <a:rPr lang="zh-TW" altLang="en-US" smtClean="0"/>
-              <a:t>2017/08/14</a:t>
+              <a:t>2017/08/23</a:t>
             </a:fld>
             <a:endParaRPr lang="zh-TW" altLang="en-US"/>
           </a:p>
@@ -941,7 +941,7 @@
           <a:p>
             <a:fld id="{5BBEAD13-0566-4C6C-97E7-55F17F24B09F}" type="datetimeFigureOut">
               <a:rPr lang="zh-TW" altLang="en-US" smtClean="0"/>
-              <a:t>2017/08/14</a:t>
+              <a:t>2017/08/23</a:t>
             </a:fld>
             <a:endParaRPr lang="zh-TW" altLang="en-US"/>
           </a:p>
@@ -1106,7 +1106,7 @@
           <a:p>
             <a:fld id="{5BBEAD13-0566-4C6C-97E7-55F17F24B09F}" type="datetimeFigureOut">
               <a:rPr lang="zh-TW" altLang="en-US" smtClean="0"/>
-              <a:t>2017/08/14</a:t>
+              <a:t>2017/08/23</a:t>
             </a:fld>
             <a:endParaRPr lang="zh-TW" altLang="en-US"/>
           </a:p>
@@ -1281,7 +1281,7 @@
           <a:p>
             <a:fld id="{5BBEAD13-0566-4C6C-97E7-55F17F24B09F}" type="datetimeFigureOut">
               <a:rPr lang="zh-TW" altLang="en-US" smtClean="0"/>
-              <a:t>2017/08/14</a:t>
+              <a:t>2017/08/23</a:t>
             </a:fld>
             <a:endParaRPr lang="zh-TW" altLang="en-US"/>
           </a:p>
@@ -1446,7 +1446,7 @@
           <a:p>
             <a:fld id="{5BBEAD13-0566-4C6C-97E7-55F17F24B09F}" type="datetimeFigureOut">
               <a:rPr lang="zh-TW" altLang="en-US" smtClean="0"/>
-              <a:t>2017/08/14</a:t>
+              <a:t>2017/08/23</a:t>
             </a:fld>
             <a:endParaRPr lang="zh-TW" altLang="en-US"/>
           </a:p>
@@ -1688,7 +1688,7 @@
           <a:p>
             <a:fld id="{5BBEAD13-0566-4C6C-97E7-55F17F24B09F}" type="datetimeFigureOut">
               <a:rPr lang="zh-TW" altLang="en-US" smtClean="0"/>
-              <a:t>2017/08/14</a:t>
+              <a:t>2017/08/23</a:t>
             </a:fld>
             <a:endParaRPr lang="zh-TW" altLang="en-US"/>
           </a:p>
@@ -1952,7 +1952,7 @@
           <a:p>
             <a:fld id="{5BBEAD13-0566-4C6C-97E7-55F17F24B09F}" type="datetimeFigureOut">
               <a:rPr lang="zh-TW" altLang="en-US" smtClean="0"/>
-              <a:t>2017/08/14</a:t>
+              <a:t>2017/08/23</a:t>
             </a:fld>
             <a:endParaRPr lang="zh-TW" altLang="en-US"/>
           </a:p>
@@ -2330,7 +2330,7 @@
           <a:p>
             <a:fld id="{5BBEAD13-0566-4C6C-97E7-55F17F24B09F}" type="datetimeFigureOut">
               <a:rPr lang="zh-TW" altLang="en-US" smtClean="0"/>
-              <a:t>2017/08/14</a:t>
+              <a:t>2017/08/23</a:t>
             </a:fld>
             <a:endParaRPr lang="zh-TW" altLang="en-US"/>
           </a:p>
@@ -2480,7 +2480,7 @@
           <a:p>
             <a:fld id="{5BBEAD13-0566-4C6C-97E7-55F17F24B09F}" type="datetimeFigureOut">
               <a:rPr lang="zh-TW" altLang="en-US" smtClean="0"/>
-              <a:t>2017/08/14</a:t>
+              <a:t>2017/08/23</a:t>
             </a:fld>
             <a:endParaRPr lang="zh-TW" altLang="en-US"/>
           </a:p>
@@ -2570,7 +2570,7 @@
           <a:p>
             <a:fld id="{5BBEAD13-0566-4C6C-97E7-55F17F24B09F}" type="datetimeFigureOut">
               <a:rPr lang="zh-TW" altLang="en-US" smtClean="0"/>
-              <a:t>2017/08/14</a:t>
+              <a:t>2017/08/23</a:t>
             </a:fld>
             <a:endParaRPr lang="zh-TW" altLang="en-US"/>
           </a:p>
@@ -2831,7 +2831,7 @@
           <a:p>
             <a:fld id="{5BBEAD13-0566-4C6C-97E7-55F17F24B09F}" type="datetimeFigureOut">
               <a:rPr lang="zh-TW" altLang="en-US" smtClean="0"/>
-              <a:t>2017/08/14</a:t>
+              <a:t>2017/08/23</a:t>
             </a:fld>
             <a:endParaRPr lang="zh-TW" altLang="en-US"/>
           </a:p>
@@ -3119,7 +3119,7 @@
           <a:p>
             <a:fld id="{5BBEAD13-0566-4C6C-97E7-55F17F24B09F}" type="datetimeFigureOut">
               <a:rPr lang="zh-TW" altLang="en-US" smtClean="0"/>
-              <a:t>2017/08/14</a:t>
+              <a:t>2017/08/23</a:t>
             </a:fld>
             <a:endParaRPr lang="zh-TW" altLang="en-US"/>
           </a:p>
@@ -3890,7 +3890,7 @@
           <a:p>
             <a:fld id="{5BBEAD13-0566-4C6C-97E7-55F17F24B09F}" type="datetimeFigureOut">
               <a:rPr lang="zh-TW" altLang="en-US" smtClean="0"/>
-              <a:t>2017/08/14</a:t>
+              <a:t>2017/08/23</a:t>
             </a:fld>
             <a:endParaRPr lang="zh-TW" altLang="en-US"/>
           </a:p>
@@ -4939,14 +4939,7 @@
                 <a:latin typeface="Arial" panose="020B0604020202020204" pitchFamily="34" charset="0"/>
                 <a:cs typeface="Arial" panose="020B0604020202020204" pitchFamily="34" charset="0"/>
               </a:rPr>
-              <a:t>Middle </a:t>
-            </a:r>
-            <a:r>
-              <a:rPr lang="en-US" altLang="zh-TW" dirty="0" smtClean="0">
-                <a:latin typeface="Arial" panose="020B0604020202020204" pitchFamily="34" charset="0"/>
-                <a:cs typeface="Arial" panose="020B0604020202020204" pitchFamily="34" charset="0"/>
-              </a:rPr>
-              <a:t>filter</a:t>
+              <a:t>Middle filter</a:t>
             </a:r>
           </a:p>
           <a:p>
@@ -5448,8 +5441,69 @@
                 <a:latin typeface="Arial" panose="020B0604020202020204" pitchFamily="34" charset="0"/>
                 <a:cs typeface="Arial" panose="020B0604020202020204" pitchFamily="34" charset="0"/>
               </a:rPr>
-              <a:t>Run()/Pause()/Stop()</a:t>
-            </a:r>
+              <a:t>Run()/Pause()/Stop</a:t>
+            </a:r>
+            <a:r>
+              <a:rPr lang="en-US" altLang="zh-TW" dirty="0" smtClean="0">
+                <a:latin typeface="Arial" panose="020B0604020202020204" pitchFamily="34" charset="0"/>
+                <a:cs typeface="Arial" panose="020B0604020202020204" pitchFamily="34" charset="0"/>
+              </a:rPr>
+              <a:t>()</a:t>
+            </a:r>
+          </a:p>
+          <a:p>
+            <a:r>
+              <a:rPr lang="en-US" altLang="zh-TW" dirty="0" smtClean="0">
+                <a:latin typeface="Arial" panose="020B0604020202020204" pitchFamily="34" charset="0"/>
+                <a:cs typeface="Arial" panose="020B0604020202020204" pitchFamily="34" charset="0"/>
+              </a:rPr>
+              <a:t>Event handle</a:t>
+            </a:r>
+          </a:p>
+          <a:p>
+            <a:pPr lvl="1"/>
+            <a:r>
+              <a:rPr lang="en-US" altLang="zh-TW" dirty="0" err="1">
+                <a:latin typeface="Arial" panose="020B0604020202020204" pitchFamily="34" charset="0"/>
+                <a:cs typeface="Arial" panose="020B0604020202020204" pitchFamily="34" charset="0"/>
+              </a:rPr>
+              <a:t>GetEvent</a:t>
+            </a:r>
+            <a:r>
+              <a:rPr lang="en-US" altLang="zh-TW" dirty="0">
+                <a:latin typeface="Arial" panose="020B0604020202020204" pitchFamily="34" charset="0"/>
+                <a:cs typeface="Arial" panose="020B0604020202020204" pitchFamily="34" charset="0"/>
+              </a:rPr>
+              <a:t>()/</a:t>
+            </a:r>
+            <a:r>
+              <a:rPr lang="en-US" altLang="zh-TW" dirty="0" err="1" smtClean="0">
+                <a:latin typeface="Arial" panose="020B0604020202020204" pitchFamily="34" charset="0"/>
+                <a:cs typeface="Arial" panose="020B0604020202020204" pitchFamily="34" charset="0"/>
+              </a:rPr>
+              <a:t>FreeEventParams</a:t>
+            </a:r>
+            <a:r>
+              <a:rPr lang="en-US" altLang="zh-TW" dirty="0" smtClean="0">
+                <a:latin typeface="Arial" panose="020B0604020202020204" pitchFamily="34" charset="0"/>
+                <a:cs typeface="Arial" panose="020B0604020202020204" pitchFamily="34" charset="0"/>
+              </a:rPr>
+              <a:t>()</a:t>
+            </a:r>
+          </a:p>
+          <a:p>
+            <a:pPr lvl="1"/>
+            <a:r>
+              <a:rPr lang="en-US" altLang="zh-TW" dirty="0" smtClean="0">
+                <a:latin typeface="Arial" panose="020B0604020202020204" pitchFamily="34" charset="0"/>
+                <a:cs typeface="Arial" panose="020B0604020202020204" pitchFamily="34" charset="0"/>
+              </a:rPr>
+              <a:t>Notify()</a:t>
+            </a:r>
+            <a:endParaRPr lang="en-US" altLang="zh-TW" dirty="0" smtClean="0">
+              <a:latin typeface="Arial" panose="020B0604020202020204" pitchFamily="34" charset="0"/>
+              <a:cs typeface="Arial" panose="020B0604020202020204" pitchFamily="34" charset="0"/>
+            </a:endParaRPr>
           </a:p>
           <a:p>
             <a:pPr lvl="1"/>
@@ -5940,14 +5994,7 @@
                 <a:latin typeface="Arial" panose="020B0604020202020204" pitchFamily="34" charset="0"/>
                 <a:cs typeface="Arial" panose="020B0604020202020204" pitchFamily="34" charset="0"/>
               </a:rPr>
-              <a:t> </a:t>
-            </a:r>
-            <a:r>
-              <a:rPr lang="en-US" altLang="zh-TW" dirty="0" smtClean="0">
-                <a:latin typeface="Arial" panose="020B0604020202020204" pitchFamily="34" charset="0"/>
-                <a:cs typeface="Arial" panose="020B0604020202020204" pitchFamily="34" charset="0"/>
-              </a:rPr>
-              <a:t>streams. </a:t>
+              <a:t> streams. </a:t>
             </a:r>
             <a:r>
               <a:rPr lang="en-US" altLang="zh-TW" dirty="0">
